--- a/Game_Document.pptx
+++ b/Game_Document.pptx
@@ -11,10 +11,15 @@
     <p:sldId id="257" r:id="rId5"/>
     <p:sldId id="258" r:id="rId6"/>
     <p:sldId id="259" r:id="rId7"/>
-    <p:sldId id="260" r:id="rId8"/>
-    <p:sldId id="262" r:id="rId9"/>
-    <p:sldId id="263" r:id="rId10"/>
-    <p:sldId id="264" r:id="rId11"/>
+    <p:sldId id="265" r:id="rId8"/>
+    <p:sldId id="260" r:id="rId9"/>
+    <p:sldId id="262" r:id="rId10"/>
+    <p:sldId id="263" r:id="rId11"/>
+    <p:sldId id="266" r:id="rId12"/>
+    <p:sldId id="264" r:id="rId13"/>
+    <p:sldId id="267" r:id="rId14"/>
+    <p:sldId id="268" r:id="rId15"/>
+    <p:sldId id="269" r:id="rId16"/>
   </p:sldIdLst>
   <p:sldSz cx="12192000" cy="6858000"/>
   <p:notesSz cx="6858000" cy="9144000"/>
@@ -18130,6 +18135,581 @@
 </p:sld>
 </file>
 
+<file path=ppt/slides/slide10.xml><?xml version="1.0" encoding="utf-8"?>
+<p:sld xmlns:a="http://schemas.openxmlformats.org/drawingml/2006/main" xmlns:r="http://schemas.openxmlformats.org/officeDocument/2006/relationships" xmlns:p="http://schemas.openxmlformats.org/presentationml/2006/main">
+  <p:cSld>
+    <p:spTree>
+      <p:nvGrpSpPr>
+        <p:cNvPr id="1" name=""/>
+        <p:cNvGrpSpPr/>
+        <p:nvPr/>
+      </p:nvGrpSpPr>
+      <p:grpSpPr>
+        <a:xfrm>
+          <a:off x="0" y="0"/>
+          <a:ext cx="0" cy="0"/>
+          <a:chOff x="0" y="0"/>
+          <a:chExt cx="0" cy="0"/>
+        </a:xfrm>
+      </p:grpSpPr>
+      <p:sp>
+        <p:nvSpPr>
+          <p:cNvPr id="2" name="Title 1">
+            <a:extLst>
+              <a:ext uri="{FF2B5EF4-FFF2-40B4-BE49-F238E27FC236}">
+                <a16:creationId xmlns:a16="http://schemas.microsoft.com/office/drawing/2014/main" id="{CB7C13CF-37F1-4CD5-8F38-1EBD11EA0C84}"/>
+              </a:ext>
+            </a:extLst>
+          </p:cNvPr>
+          <p:cNvSpPr>
+            <a:spLocks noGrp="1"/>
+          </p:cNvSpPr>
+          <p:nvPr>
+            <p:ph type="title"/>
+          </p:nvPr>
+        </p:nvSpPr>
+        <p:spPr/>
+        <p:txBody>
+          <a:bodyPr/>
+          <a:lstStyle/>
+          <a:p>
+            <a:r>
+              <a:rPr lang="en-US" dirty="0"/>
+              <a:t>Mission/challenge Structure</a:t>
+            </a:r>
+            <a:br>
+              <a:rPr lang="en-US" dirty="0"/>
+            </a:br>
+            <a:endParaRPr lang="en-IN" dirty="0"/>
+          </a:p>
+        </p:txBody>
+      </p:sp>
+      <p:sp>
+        <p:nvSpPr>
+          <p:cNvPr id="3" name="Content Placeholder 2">
+            <a:extLst>
+              <a:ext uri="{FF2B5EF4-FFF2-40B4-BE49-F238E27FC236}">
+                <a16:creationId xmlns:a16="http://schemas.microsoft.com/office/drawing/2014/main" id="{E9BEF347-1B2F-4DAA-A422-DDE71DF1DCE5}"/>
+              </a:ext>
+            </a:extLst>
+          </p:cNvPr>
+          <p:cNvSpPr>
+            <a:spLocks noGrp="1"/>
+          </p:cNvSpPr>
+          <p:nvPr>
+            <p:ph idx="1"/>
+          </p:nvPr>
+        </p:nvSpPr>
+        <p:spPr/>
+        <p:txBody>
+          <a:bodyPr/>
+          <a:lstStyle/>
+          <a:p>
+            <a:r>
+              <a:rPr lang="en-IN" dirty="0"/>
+              <a:t>There won’t be any city map so either player will have to roam around to find the ‘X’ or they will have to reach the PEEP UP spots in the city.</a:t>
+            </a:r>
+          </a:p>
+          <a:p>
+            <a:r>
+              <a:rPr lang="en-IN" dirty="0"/>
+              <a:t>On reaching a </a:t>
+            </a:r>
+            <a:r>
+              <a:rPr lang="en-IN" dirty="0">
+                <a:solidFill>
+                  <a:srgbClr val="C00000"/>
+                </a:solidFill>
+              </a:rPr>
+              <a:t>PEEP UP </a:t>
+            </a:r>
+            <a:r>
+              <a:rPr lang="en-IN" dirty="0"/>
+              <a:t>spot the player is lifted up with a balloon into the sky for 10 secs and the time freezes. The player can only rotate the camera 360 ˚  to view the complete city and locate the ‘X’ s.</a:t>
+            </a:r>
+          </a:p>
+        </p:txBody>
+      </p:sp>
+    </p:spTree>
+    <p:extLst>
+      <p:ext uri="{BB962C8B-B14F-4D97-AF65-F5344CB8AC3E}">
+        <p14:creationId xmlns:p14="http://schemas.microsoft.com/office/powerpoint/2010/main" val="4134057660"/>
+      </p:ext>
+    </p:extLst>
+  </p:cSld>
+  <p:clrMapOvr>
+    <a:masterClrMapping/>
+  </p:clrMapOvr>
+</p:sld>
+</file>
+
+<file path=ppt/slides/slide11.xml><?xml version="1.0" encoding="utf-8"?>
+<p:sld xmlns:a="http://schemas.openxmlformats.org/drawingml/2006/main" xmlns:r="http://schemas.openxmlformats.org/officeDocument/2006/relationships" xmlns:p="http://schemas.openxmlformats.org/presentationml/2006/main">
+  <p:cSld>
+    <p:spTree>
+      <p:nvGrpSpPr>
+        <p:cNvPr id="1" name=""/>
+        <p:cNvGrpSpPr/>
+        <p:nvPr/>
+      </p:nvGrpSpPr>
+      <p:grpSpPr>
+        <a:xfrm>
+          <a:off x="0" y="0"/>
+          <a:ext cx="0" cy="0"/>
+          <a:chOff x="0" y="0"/>
+          <a:chExt cx="0" cy="0"/>
+        </a:xfrm>
+      </p:grpSpPr>
+      <p:sp>
+        <p:nvSpPr>
+          <p:cNvPr id="2" name="Title 1">
+            <a:extLst>
+              <a:ext uri="{FF2B5EF4-FFF2-40B4-BE49-F238E27FC236}">
+                <a16:creationId xmlns:a16="http://schemas.microsoft.com/office/drawing/2014/main" id="{FF328FF0-E9FC-4F1C-8A51-4A087F06B57C}"/>
+              </a:ext>
+            </a:extLst>
+          </p:cNvPr>
+          <p:cNvSpPr>
+            <a:spLocks noGrp="1"/>
+          </p:cNvSpPr>
+          <p:nvPr>
+            <p:ph type="title"/>
+          </p:nvPr>
+        </p:nvSpPr>
+        <p:spPr/>
+        <p:txBody>
+          <a:bodyPr/>
+          <a:lstStyle/>
+          <a:p>
+            <a:r>
+              <a:rPr lang="en-IN" dirty="0"/>
+              <a:t>Puzzle Structure</a:t>
+            </a:r>
+          </a:p>
+        </p:txBody>
+      </p:sp>
+      <p:sp>
+        <p:nvSpPr>
+          <p:cNvPr id="3" name="Content Placeholder 2">
+            <a:extLst>
+              <a:ext uri="{FF2B5EF4-FFF2-40B4-BE49-F238E27FC236}">
+                <a16:creationId xmlns:a16="http://schemas.microsoft.com/office/drawing/2014/main" id="{476EA9A9-8624-4E10-9EF7-A071AA0A6A4F}"/>
+              </a:ext>
+            </a:extLst>
+          </p:cNvPr>
+          <p:cNvSpPr>
+            <a:spLocks noGrp="1"/>
+          </p:cNvSpPr>
+          <p:nvPr>
+            <p:ph idx="1"/>
+          </p:nvPr>
+        </p:nvSpPr>
+        <p:spPr>
+          <a:xfrm>
+            <a:off x="1141412" y="2249486"/>
+            <a:ext cx="9905999" cy="3759427"/>
+          </a:xfrm>
+        </p:spPr>
+        <p:txBody>
+          <a:bodyPr>
+            <a:normAutofit/>
+          </a:bodyPr>
+          <a:lstStyle/>
+          <a:p>
+            <a:r>
+              <a:rPr lang="en-IN" dirty="0">
+                <a:solidFill>
+                  <a:srgbClr val="C00000"/>
+                </a:solidFill>
+              </a:rPr>
+              <a:t>High speed vehicles </a:t>
+            </a:r>
+            <a:r>
+              <a:rPr lang="en-IN" dirty="0"/>
+              <a:t>symbolising different types of stress and pressures in life run on the road and a collision with them means the player is out.</a:t>
+            </a:r>
+          </a:p>
+          <a:p>
+            <a:r>
+              <a:rPr lang="en-IN" dirty="0">
+                <a:solidFill>
+                  <a:srgbClr val="C00000"/>
+                </a:solidFill>
+              </a:rPr>
+              <a:t>Objects</a:t>
+            </a:r>
+            <a:r>
+              <a:rPr lang="en-IN" dirty="0"/>
+              <a:t> like cigarettes, beer bottles, drugs etc might fall from the buildings and a collision with them means the player is out.</a:t>
+            </a:r>
+          </a:p>
+          <a:p>
+            <a:endParaRPr lang="en-IN" dirty="0"/>
+          </a:p>
+        </p:txBody>
+      </p:sp>
+    </p:spTree>
+    <p:extLst>
+      <p:ext uri="{BB962C8B-B14F-4D97-AF65-F5344CB8AC3E}">
+        <p14:creationId xmlns:p14="http://schemas.microsoft.com/office/powerpoint/2010/main" val="1925393467"/>
+      </p:ext>
+    </p:extLst>
+  </p:cSld>
+  <p:clrMapOvr>
+    <a:masterClrMapping/>
+  </p:clrMapOvr>
+</p:sld>
+</file>
+
+<file path=ppt/slides/slide12.xml><?xml version="1.0" encoding="utf-8"?>
+<p:sld xmlns:a="http://schemas.openxmlformats.org/drawingml/2006/main" xmlns:r="http://schemas.openxmlformats.org/officeDocument/2006/relationships" xmlns:p="http://schemas.openxmlformats.org/presentationml/2006/main">
+  <p:cSld>
+    <p:spTree>
+      <p:nvGrpSpPr>
+        <p:cNvPr id="1" name=""/>
+        <p:cNvGrpSpPr/>
+        <p:nvPr/>
+      </p:nvGrpSpPr>
+      <p:grpSpPr>
+        <a:xfrm>
+          <a:off x="0" y="0"/>
+          <a:ext cx="0" cy="0"/>
+          <a:chOff x="0" y="0"/>
+          <a:chExt cx="0" cy="0"/>
+        </a:xfrm>
+      </p:grpSpPr>
+      <p:sp>
+        <p:nvSpPr>
+          <p:cNvPr id="2" name="Title 1">
+            <a:extLst>
+              <a:ext uri="{FF2B5EF4-FFF2-40B4-BE49-F238E27FC236}">
+                <a16:creationId xmlns:a16="http://schemas.microsoft.com/office/drawing/2014/main" id="{F375FAAF-F55C-4F1C-968E-65D8594CE730}"/>
+              </a:ext>
+            </a:extLst>
+          </p:cNvPr>
+          <p:cNvSpPr>
+            <a:spLocks noGrp="1"/>
+          </p:cNvSpPr>
+          <p:nvPr>
+            <p:ph type="title"/>
+          </p:nvPr>
+        </p:nvSpPr>
+        <p:spPr/>
+        <p:txBody>
+          <a:bodyPr/>
+          <a:lstStyle/>
+          <a:p>
+            <a:r>
+              <a:rPr lang="en-IN" b="1" dirty="0"/>
+              <a:t>Game Progression </a:t>
+            </a:r>
+            <a:r>
+              <a:rPr lang="en-US" b="1" dirty="0"/>
+              <a:t>Features</a:t>
+            </a:r>
+            <a:endParaRPr lang="en-IN" dirty="0"/>
+          </a:p>
+        </p:txBody>
+      </p:sp>
+      <p:sp>
+        <p:nvSpPr>
+          <p:cNvPr id="3" name="Content Placeholder 2">
+            <a:extLst>
+              <a:ext uri="{FF2B5EF4-FFF2-40B4-BE49-F238E27FC236}">
+                <a16:creationId xmlns:a16="http://schemas.microsoft.com/office/drawing/2014/main" id="{73B632BB-D477-4601-9879-4DEE288ED6AE}"/>
+              </a:ext>
+            </a:extLst>
+          </p:cNvPr>
+          <p:cNvSpPr>
+            <a:spLocks noGrp="1"/>
+          </p:cNvSpPr>
+          <p:nvPr>
+            <p:ph idx="1"/>
+          </p:nvPr>
+        </p:nvSpPr>
+        <p:spPr/>
+        <p:txBody>
+          <a:bodyPr/>
+          <a:lstStyle/>
+          <a:p>
+            <a:r>
+              <a:rPr lang="en-IN" dirty="0"/>
+              <a:t>The speed of cars increases with every ‘X’ collected. </a:t>
+            </a:r>
+          </a:p>
+          <a:p>
+            <a:r>
+              <a:rPr lang="en-IN" dirty="0"/>
+              <a:t>The frequency of falling objects increases with every 2 ‘X’s collected.</a:t>
+            </a:r>
+          </a:p>
+          <a:p>
+            <a:r>
+              <a:rPr lang="en-IN" dirty="0"/>
+              <a:t>The frequency of PEEP UPs decreases with every 2 ‘X’s collected.</a:t>
+            </a:r>
+          </a:p>
+          <a:p>
+            <a:r>
+              <a:rPr lang="en-IN" dirty="0"/>
+              <a:t>The difficulty of questions the ‘X’ increase after collecting 5 ‘X’s.</a:t>
+            </a:r>
+          </a:p>
+          <a:p>
+            <a:endParaRPr lang="en-IN" dirty="0"/>
+          </a:p>
+        </p:txBody>
+      </p:sp>
+    </p:spTree>
+    <p:extLst>
+      <p:ext uri="{BB962C8B-B14F-4D97-AF65-F5344CB8AC3E}">
+        <p14:creationId xmlns:p14="http://schemas.microsoft.com/office/powerpoint/2010/main" val="425756874"/>
+      </p:ext>
+    </p:extLst>
+  </p:cSld>
+  <p:clrMapOvr>
+    <a:masterClrMapping/>
+  </p:clrMapOvr>
+</p:sld>
+</file>
+
+<file path=ppt/slides/slide13.xml><?xml version="1.0" encoding="utf-8"?>
+<p:sld xmlns:a="http://schemas.openxmlformats.org/drawingml/2006/main" xmlns:r="http://schemas.openxmlformats.org/officeDocument/2006/relationships" xmlns:p="http://schemas.openxmlformats.org/presentationml/2006/main">
+  <p:cSld>
+    <p:spTree>
+      <p:nvGrpSpPr>
+        <p:cNvPr id="1" name=""/>
+        <p:cNvGrpSpPr/>
+        <p:nvPr/>
+      </p:nvGrpSpPr>
+      <p:grpSpPr>
+        <a:xfrm>
+          <a:off x="0" y="0"/>
+          <a:ext cx="0" cy="0"/>
+          <a:chOff x="0" y="0"/>
+          <a:chExt cx="0" cy="0"/>
+        </a:xfrm>
+      </p:grpSpPr>
+      <p:sp>
+        <p:nvSpPr>
+          <p:cNvPr id="2" name="Title 1">
+            <a:extLst>
+              <a:ext uri="{FF2B5EF4-FFF2-40B4-BE49-F238E27FC236}">
+                <a16:creationId xmlns:a16="http://schemas.microsoft.com/office/drawing/2014/main" id="{BA960C8B-D1D1-4173-9F41-2391F0F7B6F0}"/>
+              </a:ext>
+            </a:extLst>
+          </p:cNvPr>
+          <p:cNvSpPr>
+            <a:spLocks noGrp="1"/>
+          </p:cNvSpPr>
+          <p:nvPr>
+            <p:ph type="title"/>
+          </p:nvPr>
+        </p:nvSpPr>
+        <p:spPr/>
+        <p:txBody>
+          <a:bodyPr/>
+          <a:lstStyle/>
+          <a:p>
+            <a:r>
+              <a:rPr lang="en-IN" dirty="0"/>
+              <a:t>Implementation</a:t>
+            </a:r>
+          </a:p>
+        </p:txBody>
+      </p:sp>
+      <p:sp>
+        <p:nvSpPr>
+          <p:cNvPr id="3" name="Content Placeholder 2">
+            <a:extLst>
+              <a:ext uri="{FF2B5EF4-FFF2-40B4-BE49-F238E27FC236}">
+                <a16:creationId xmlns:a16="http://schemas.microsoft.com/office/drawing/2014/main" id="{005403B3-ECC5-4229-BAAD-75BE60E7128E}"/>
+              </a:ext>
+            </a:extLst>
+          </p:cNvPr>
+          <p:cNvSpPr>
+            <a:spLocks noGrp="1"/>
+          </p:cNvSpPr>
+          <p:nvPr>
+            <p:ph idx="1"/>
+          </p:nvPr>
+        </p:nvSpPr>
+        <p:spPr/>
+        <p:txBody>
+          <a:bodyPr/>
+          <a:lstStyle/>
+          <a:p>
+            <a:r>
+              <a:rPr lang="en-US" dirty="0"/>
+              <a:t>The game will be developed using </a:t>
+            </a:r>
+            <a:r>
+              <a:rPr lang="en-US" dirty="0">
+                <a:solidFill>
+                  <a:srgbClr val="C00000"/>
+                </a:solidFill>
+              </a:rPr>
+              <a:t>Unity 2018.3.11.f</a:t>
+            </a:r>
+            <a:r>
+              <a:rPr lang="en-US" dirty="0"/>
+              <a:t> engine and </a:t>
+            </a:r>
+            <a:r>
+              <a:rPr lang="en-US" dirty="0">
+                <a:solidFill>
+                  <a:srgbClr val="C00000"/>
+                </a:solidFill>
+              </a:rPr>
+              <a:t>Visual Studio 2017 </a:t>
+            </a:r>
+            <a:r>
+              <a:rPr lang="en-US" dirty="0"/>
+              <a:t>as the engine has good capabilities to make games which are not graphic intensive but has many features which can be quite handy when making the game.</a:t>
+            </a:r>
+          </a:p>
+          <a:p>
+            <a:r>
+              <a:rPr lang="en-US" dirty="0"/>
+              <a:t>The license-free music will be taken from http://audionautix.com</a:t>
+            </a:r>
+          </a:p>
+          <a:p>
+            <a:endParaRPr lang="en-IN" dirty="0"/>
+          </a:p>
+        </p:txBody>
+      </p:sp>
+    </p:spTree>
+    <p:extLst>
+      <p:ext uri="{BB962C8B-B14F-4D97-AF65-F5344CB8AC3E}">
+        <p14:creationId xmlns:p14="http://schemas.microsoft.com/office/powerpoint/2010/main" val="2095536425"/>
+      </p:ext>
+    </p:extLst>
+  </p:cSld>
+  <p:clrMapOvr>
+    <a:masterClrMapping/>
+  </p:clrMapOvr>
+</p:sld>
+</file>
+
+<file path=ppt/slides/slide14.xml><?xml version="1.0" encoding="utf-8"?>
+<p:sld xmlns:a="http://schemas.openxmlformats.org/drawingml/2006/main" xmlns:r="http://schemas.openxmlformats.org/officeDocument/2006/relationships" xmlns:p="http://schemas.openxmlformats.org/presentationml/2006/main">
+  <p:cSld>
+    <p:spTree>
+      <p:nvGrpSpPr>
+        <p:cNvPr id="1" name=""/>
+        <p:cNvGrpSpPr/>
+        <p:nvPr/>
+      </p:nvGrpSpPr>
+      <p:grpSpPr>
+        <a:xfrm>
+          <a:off x="0" y="0"/>
+          <a:ext cx="0" cy="0"/>
+          <a:chOff x="0" y="0"/>
+          <a:chExt cx="0" cy="0"/>
+        </a:xfrm>
+      </p:grpSpPr>
+      <p:sp>
+        <p:nvSpPr>
+          <p:cNvPr id="2" name="Title 1">
+            <a:extLst>
+              <a:ext uri="{FF2B5EF4-FFF2-40B4-BE49-F238E27FC236}">
+                <a16:creationId xmlns:a16="http://schemas.microsoft.com/office/drawing/2014/main" id="{59CB2E44-F2D5-4C79-B4BB-11D6A8D1A2F1}"/>
+              </a:ext>
+            </a:extLst>
+          </p:cNvPr>
+          <p:cNvSpPr>
+            <a:spLocks noGrp="1"/>
+          </p:cNvSpPr>
+          <p:nvPr>
+            <p:ph type="title"/>
+          </p:nvPr>
+        </p:nvSpPr>
+        <p:spPr/>
+        <p:txBody>
+          <a:bodyPr/>
+          <a:lstStyle/>
+          <a:p>
+            <a:r>
+              <a:rPr lang="en-IN" dirty="0"/>
+              <a:t>Projected TimeLine</a:t>
+            </a:r>
+          </a:p>
+        </p:txBody>
+      </p:sp>
+      <p:sp>
+        <p:nvSpPr>
+          <p:cNvPr id="3" name="Content Placeholder 2">
+            <a:extLst>
+              <a:ext uri="{FF2B5EF4-FFF2-40B4-BE49-F238E27FC236}">
+                <a16:creationId xmlns:a16="http://schemas.microsoft.com/office/drawing/2014/main" id="{084B21A9-69ED-4EF0-8C5E-62C1C0CD155C}"/>
+              </a:ext>
+            </a:extLst>
+          </p:cNvPr>
+          <p:cNvSpPr>
+            <a:spLocks noGrp="1"/>
+          </p:cNvSpPr>
+          <p:nvPr>
+            <p:ph idx="1"/>
+          </p:nvPr>
+        </p:nvSpPr>
+        <p:spPr/>
+        <p:txBody>
+          <a:bodyPr>
+            <a:normAutofit fontScale="92500"/>
+          </a:bodyPr>
+          <a:lstStyle/>
+          <a:p>
+            <a:r>
+              <a:rPr lang="en-IN" dirty="0"/>
+              <a:t>12/4/19 – Ideation face complete</a:t>
+            </a:r>
+          </a:p>
+          <a:p>
+            <a:r>
+              <a:rPr lang="en-IN" dirty="0"/>
+              <a:t>13/4/19 - 16/4/19 – Basic layout of the city formed</a:t>
+            </a:r>
+          </a:p>
+          <a:p>
+            <a:r>
+              <a:rPr lang="en-IN" dirty="0"/>
+              <a:t>17/4/19 - 19/4/19 – Moving Scripts + Brain Storming on questions</a:t>
+            </a:r>
+          </a:p>
+          <a:p>
+            <a:r>
+              <a:rPr lang="en-IN" dirty="0"/>
+              <a:t>19/4/19 - 21/4/19 – Collision Scripts and Menu Making</a:t>
+            </a:r>
+          </a:p>
+          <a:p>
+            <a:r>
+              <a:rPr lang="en-IN" dirty="0"/>
+              <a:t>22/4/19 - 25/4/19 – Completion of question bank and answer storing 				     interface.</a:t>
+            </a:r>
+          </a:p>
+          <a:p>
+            <a:r>
+              <a:rPr lang="en-IN" dirty="0"/>
+              <a:t>25/4/19 - 27/4/19 – Leftover debugging, Beautification, background music etc.</a:t>
+            </a:r>
+          </a:p>
+        </p:txBody>
+      </p:sp>
+    </p:spTree>
+    <p:extLst>
+      <p:ext uri="{BB962C8B-B14F-4D97-AF65-F5344CB8AC3E}">
+        <p14:creationId xmlns:p14="http://schemas.microsoft.com/office/powerpoint/2010/main" val="3760449904"/>
+      </p:ext>
+    </p:extLst>
+  </p:cSld>
+  <p:clrMapOvr>
+    <a:masterClrMapping/>
+  </p:clrMapOvr>
+</p:sld>
+</file>
+
 <file path=ppt/slides/slide2.xml><?xml version="1.0" encoding="utf-8"?>
 <p:sld xmlns:a="http://schemas.openxmlformats.org/drawingml/2006/main" xmlns:r="http://schemas.openxmlformats.org/officeDocument/2006/relationships" xmlns:p="http://schemas.openxmlformats.org/presentationml/2006/main">
   <p:cSld>
@@ -18267,7 +18847,7 @@
             </a:pPr>
             <a:r>
               <a:rPr lang="en-IN" dirty="0"/>
-              <a:t>It is a unique type of mission game which aims to sensitize its audience about the satanic acts of humans against animals and nature along with developing better reasoning and decision making in a wide variety of difficult situations. </a:t>
+              <a:t>It is a unique type of adventure mission game which aims to sensitize the young generation about various peer pressures and how to handle them. It tries to  inculcate moral values and proper social conduct along with developing a rational and sensible decision making abilities in different situations. </a:t>
             </a:r>
           </a:p>
         </p:txBody>
@@ -18445,29 +19025,26 @@
           <a:bodyPr/>
           <a:lstStyle/>
           <a:p>
+            <a:pPr marL="0" indent="0">
+              <a:buNone/>
+            </a:pPr>
             <a:r>
               <a:rPr lang="en-IN" dirty="0"/>
-              <a:t>The game has two play modes for age group &lt;10yrs and 15–23 </a:t>
+              <a:t>We aim to target mainly the young generation belonging to an age group of</a:t>
+            </a:r>
+          </a:p>
+          <a:p>
+            <a:pPr marL="0" indent="0" algn="ctr">
+              <a:buNone/>
+            </a:pPr>
+            <a:r>
+              <a:rPr lang="en-IN" dirty="0"/>
+              <a:t>15-25 </a:t>
             </a:r>
             <a:r>
               <a:rPr lang="en-IN" dirty="0" err="1"/>
               <a:t>yrs</a:t>
             </a:r>
-            <a:r>
-              <a:rPr lang="en-IN" dirty="0"/>
-              <a:t> separately.</a:t>
-            </a:r>
-          </a:p>
-          <a:p>
-            <a:r>
-              <a:rPr lang="en-IN" dirty="0"/>
-              <a:t>The game focuses mainly on the interests of people &lt;23yrs of age but can be played my an individual of any age group.</a:t>
-            </a:r>
-          </a:p>
-          <a:p>
-            <a:pPr marL="0" indent="0">
-              <a:buNone/>
-            </a:pPr>
             <a:endParaRPr lang="en-IN" dirty="0"/>
           </a:p>
         </p:txBody>
@@ -18507,7 +19084,7 @@
           <p:cNvPr id="2" name="Title 1">
             <a:extLst>
               <a:ext uri="{FF2B5EF4-FFF2-40B4-BE49-F238E27FC236}">
-                <a16:creationId xmlns:a16="http://schemas.microsoft.com/office/drawing/2014/main" id="{C9953441-C909-4666-BCB8-AEBB967B6680}"/>
+                <a16:creationId xmlns:a16="http://schemas.microsoft.com/office/drawing/2014/main" id="{263EC9EB-6F8F-475B-8D31-FE53E45FAEB1}"/>
               </a:ext>
             </a:extLst>
           </p:cNvPr>
@@ -18525,7 +19102,7 @@
           <a:p>
             <a:r>
               <a:rPr lang="en-IN" dirty="0"/>
-              <a:t>Game Flow</a:t>
+              <a:t>Story</a:t>
             </a:r>
           </a:p>
         </p:txBody>
@@ -18535,7 +19112,7 @@
           <p:cNvPr id="3" name="Content Placeholder 2">
             <a:extLst>
               <a:ext uri="{FF2B5EF4-FFF2-40B4-BE49-F238E27FC236}">
-                <a16:creationId xmlns:a16="http://schemas.microsoft.com/office/drawing/2014/main" id="{9887625B-A983-4FB3-AD43-7190459D841C}"/>
+                <a16:creationId xmlns:a16="http://schemas.microsoft.com/office/drawing/2014/main" id="{6A80826E-4ADD-4C77-87FB-3C6FD6247319}"/>
               </a:ext>
             </a:extLst>
           </p:cNvPr>
@@ -18551,27 +19128,12 @@
           <a:bodyPr/>
           <a:lstStyle/>
           <a:p>
+            <a:pPr marL="0" indent="0">
+              <a:buNone/>
+            </a:pPr>
             <a:r>
               <a:rPr lang="en-IN" dirty="0"/>
-              <a:t>The game is set in a city with high rise buildings, traffic and public. </a:t>
-            </a:r>
-          </a:p>
-          <a:p>
-            <a:r>
-              <a:rPr lang="en-IN" dirty="0"/>
-              <a:t>The player starts from one end of the city and the player is allowed to move in all four directions with no restriction. </a:t>
-            </a:r>
-          </a:p>
-          <a:p>
-            <a:r>
-              <a:rPr lang="en-IN" dirty="0"/>
-              <a:t>It moves forward with up button, backward with down button, rightward with right button and leftward with left button.</a:t>
-            </a:r>
-          </a:p>
-          <a:p>
-            <a:r>
-              <a:rPr lang="en-IN" dirty="0"/>
-              <a:t> </a:t>
+              <a:t>The player is a student of our modern world who lives in a society with all types of people. Despite of having so many temptations and deviations in life the player has to stay focused by resisting all unjust and immoral temptations and achieve his/her goals which will ultimately lead him to a happy and respectable life.</a:t>
             </a:r>
           </a:p>
         </p:txBody>
@@ -18579,7 +19141,7 @@
     </p:spTree>
     <p:extLst>
       <p:ext uri="{BB962C8B-B14F-4D97-AF65-F5344CB8AC3E}">
-        <p14:creationId xmlns:p14="http://schemas.microsoft.com/office/powerpoint/2010/main" val="1713648415"/>
+        <p14:creationId xmlns:p14="http://schemas.microsoft.com/office/powerpoint/2010/main" val="2410912770"/>
       </p:ext>
     </p:extLst>
   </p:cSld>
@@ -18611,7 +19173,7 @@
           <p:cNvPr id="2" name="Title 1">
             <a:extLst>
               <a:ext uri="{FF2B5EF4-FFF2-40B4-BE49-F238E27FC236}">
-                <a16:creationId xmlns:a16="http://schemas.microsoft.com/office/drawing/2014/main" id="{72A200C6-5A28-4E18-8F21-83B49302668C}"/>
+                <a16:creationId xmlns:a16="http://schemas.microsoft.com/office/drawing/2014/main" id="{C9953441-C909-4666-BCB8-AEBB967B6680}"/>
               </a:ext>
             </a:extLst>
           </p:cNvPr>
@@ -18622,25 +19184,60 @@
             <p:ph type="title"/>
           </p:nvPr>
         </p:nvSpPr>
-        <p:spPr>
-          <a:xfrm>
-            <a:off x="1228498" y="2351523"/>
-            <a:ext cx="9905998" cy="1478570"/>
-          </a:xfrm>
-        </p:spPr>
+        <p:spPr/>
         <p:txBody>
           <a:bodyPr/>
           <a:lstStyle/>
           <a:p>
-            <a:pPr algn="ctr"/>
-            <a:r>
-              <a:rPr lang="en-US" sz="5000" b="1" u="sng" dirty="0"/>
-              <a:t>Gameplay</a:t>
-            </a:r>
-            <a:r>
-              <a:rPr lang="en-US" dirty="0"/>
-              <a:t> </a:t>
-            </a:r>
+            <a:r>
+              <a:rPr lang="en-IN" dirty="0"/>
+              <a:t>Game Flow</a:t>
+            </a:r>
+          </a:p>
+        </p:txBody>
+      </p:sp>
+      <p:sp>
+        <p:nvSpPr>
+          <p:cNvPr id="3" name="Content Placeholder 2">
+            <a:extLst>
+              <a:ext uri="{FF2B5EF4-FFF2-40B4-BE49-F238E27FC236}">
+                <a16:creationId xmlns:a16="http://schemas.microsoft.com/office/drawing/2014/main" id="{9887625B-A983-4FB3-AD43-7190459D841C}"/>
+              </a:ext>
+            </a:extLst>
+          </p:cNvPr>
+          <p:cNvSpPr>
+            <a:spLocks noGrp="1"/>
+          </p:cNvSpPr>
+          <p:nvPr>
+            <p:ph idx="1"/>
+          </p:nvPr>
+        </p:nvSpPr>
+        <p:spPr/>
+        <p:txBody>
+          <a:bodyPr/>
+          <a:lstStyle/>
+          <a:p>
+            <a:r>
+              <a:rPr lang="en-IN" dirty="0"/>
+              <a:t>The game is set in a modern city with high rise buildings, traffic and public. </a:t>
+            </a:r>
+          </a:p>
+          <a:p>
+            <a:r>
+              <a:rPr lang="en-IN" dirty="0"/>
+              <a:t>The player starts from one end of the city and the player is allowed to move in all four directions with no restriction. </a:t>
+            </a:r>
+          </a:p>
+          <a:p>
+            <a:r>
+              <a:rPr lang="en-IN" dirty="0"/>
+              <a:t>It moves forward with up button, backward with down button, rightward with right button and leftward with left button.</a:t>
+            </a:r>
+          </a:p>
+          <a:p>
+            <a:pPr marL="0" indent="0">
+              <a:buNone/>
+            </a:pPr>
             <a:endParaRPr lang="en-IN" dirty="0"/>
           </a:p>
         </p:txBody>
@@ -18648,7 +19245,7 @@
     </p:spTree>
     <p:extLst>
       <p:ext uri="{BB962C8B-B14F-4D97-AF65-F5344CB8AC3E}">
-        <p14:creationId xmlns:p14="http://schemas.microsoft.com/office/powerpoint/2010/main" val="810178785"/>
+        <p14:creationId xmlns:p14="http://schemas.microsoft.com/office/powerpoint/2010/main" val="1713648415"/>
       </p:ext>
     </p:extLst>
   </p:cSld>
@@ -18680,7 +19277,7 @@
           <p:cNvPr id="2" name="Title 1">
             <a:extLst>
               <a:ext uri="{FF2B5EF4-FFF2-40B4-BE49-F238E27FC236}">
-                <a16:creationId xmlns:a16="http://schemas.microsoft.com/office/drawing/2014/main" id="{50E0AE1A-1547-4D48-A8AA-1ACAA9007748}"/>
+                <a16:creationId xmlns:a16="http://schemas.microsoft.com/office/drawing/2014/main" id="{72A200C6-5A28-4E18-8F21-83B49302668C}"/>
               </a:ext>
             </a:extLst>
           </p:cNvPr>
@@ -18691,84 +19288,25 @@
             <p:ph type="title"/>
           </p:nvPr>
         </p:nvSpPr>
-        <p:spPr/>
+        <p:spPr>
+          <a:xfrm>
+            <a:off x="1228498" y="2351523"/>
+            <a:ext cx="9905998" cy="1478570"/>
+          </a:xfrm>
+        </p:spPr>
         <p:txBody>
           <a:bodyPr/>
           <a:lstStyle/>
           <a:p>
+            <a:pPr algn="ctr"/>
+            <a:r>
+              <a:rPr lang="en-US" sz="5000" b="1" u="sng" dirty="0"/>
+              <a:t>Gameplay</a:t>
+            </a:r>
             <a:r>
               <a:rPr lang="en-US" dirty="0"/>
-              <a:t>Mission/challenge Structure</a:t>
-            </a:r>
-            <a:br>
-              <a:rPr lang="en-US" dirty="0"/>
-            </a:br>
-            <a:endParaRPr lang="en-IN" dirty="0"/>
-          </a:p>
-        </p:txBody>
-      </p:sp>
-      <p:sp>
-        <p:nvSpPr>
-          <p:cNvPr id="3" name="Content Placeholder 2">
-            <a:extLst>
-              <a:ext uri="{FF2B5EF4-FFF2-40B4-BE49-F238E27FC236}">
-                <a16:creationId xmlns:a16="http://schemas.microsoft.com/office/drawing/2014/main" id="{4DA30A5D-8485-44B8-AC28-52DA1C242913}"/>
-              </a:ext>
-            </a:extLst>
-          </p:cNvPr>
-          <p:cNvSpPr>
-            <a:spLocks noGrp="1"/>
-          </p:cNvSpPr>
-          <p:nvPr>
-            <p:ph idx="1"/>
-          </p:nvPr>
-        </p:nvSpPr>
-        <p:spPr/>
-        <p:txBody>
-          <a:bodyPr>
-            <a:normAutofit fontScale="85000" lnSpcReduction="20000"/>
-          </a:bodyPr>
-          <a:lstStyle/>
-          <a:p>
-            <a:r>
-              <a:rPr lang="en-IN" dirty="0"/>
-              <a:t>The main objective of the game is to reach all the ‘X’ crosses in the city in minimum time. </a:t>
-            </a:r>
-          </a:p>
-          <a:p>
-            <a:r>
-              <a:rPr lang="en-IN" dirty="0"/>
-              <a:t>On reaching each ‘X’ the player witnesses an activity going on depending on the play mode</a:t>
-            </a:r>
-          </a:p>
-          <a:p>
-            <a:pPr marL="0" indent="0">
-              <a:buNone/>
-            </a:pPr>
-            <a:r>
-              <a:rPr lang="en-IN" dirty="0"/>
-              <a:t>	1) For junior mode it includes acts like violence against animals, 	  	        	    afforestation and bad habits like throwing garbage on the road etc. The player is then asked a question based on that activity which has a value based answer and accordingly the player gets points.</a:t>
-            </a:r>
-          </a:p>
-          <a:p>
-            <a:pPr marL="0" indent="0">
-              <a:buNone/>
-            </a:pPr>
-            <a:r>
-              <a:rPr lang="en-IN" dirty="0"/>
-              <a:t>	2) For senior mode it includes situations of trauma and anxiety and the player is given and situation and asked to choose the most appropriate reaction to the situation.</a:t>
-            </a:r>
-          </a:p>
-          <a:p>
-            <a:r>
-              <a:rPr lang="en-IN" dirty="0"/>
-              <a:t>The more you collect crosses and answer the questions, the more you score.</a:t>
-            </a:r>
-          </a:p>
-          <a:p>
-            <a:pPr marL="0" indent="0">
-              <a:buNone/>
-            </a:pPr>
+              <a:t> </a:t>
+            </a:r>
             <a:endParaRPr lang="en-IN" dirty="0"/>
           </a:p>
         </p:txBody>
@@ -18776,7 +19314,7 @@
     </p:spTree>
     <p:extLst>
       <p:ext uri="{BB962C8B-B14F-4D97-AF65-F5344CB8AC3E}">
-        <p14:creationId xmlns:p14="http://schemas.microsoft.com/office/powerpoint/2010/main" val="308860872"/>
+        <p14:creationId xmlns:p14="http://schemas.microsoft.com/office/powerpoint/2010/main" val="810178785"/>
       </p:ext>
     </p:extLst>
   </p:cSld>
@@ -18808,7 +19346,7 @@
           <p:cNvPr id="2" name="Title 1">
             <a:extLst>
               <a:ext uri="{FF2B5EF4-FFF2-40B4-BE49-F238E27FC236}">
-                <a16:creationId xmlns:a16="http://schemas.microsoft.com/office/drawing/2014/main" id="{FF328FF0-E9FC-4F1C-8A51-4A087F06B57C}"/>
+                <a16:creationId xmlns:a16="http://schemas.microsoft.com/office/drawing/2014/main" id="{50E0AE1A-1547-4D48-A8AA-1ACAA9007748}"/>
               </a:ext>
             </a:extLst>
           </p:cNvPr>
@@ -18825,9 +19363,13 @@
           <a:lstStyle/>
           <a:p>
             <a:r>
-              <a:rPr lang="en-IN" dirty="0"/>
-              <a:t>Puzzle Structure</a:t>
-            </a:r>
+              <a:rPr lang="en-US" dirty="0"/>
+              <a:t>Mission/challenge Structure</a:t>
+            </a:r>
+            <a:br>
+              <a:rPr lang="en-US" dirty="0"/>
+            </a:br>
+            <a:endParaRPr lang="en-IN" dirty="0"/>
           </a:p>
         </p:txBody>
       </p:sp>
@@ -18836,7 +19378,7 @@
           <p:cNvPr id="3" name="Content Placeholder 2">
             <a:extLst>
               <a:ext uri="{FF2B5EF4-FFF2-40B4-BE49-F238E27FC236}">
-                <a16:creationId xmlns:a16="http://schemas.microsoft.com/office/drawing/2014/main" id="{476EA9A9-8624-4E10-9EF7-A071AA0A6A4F}"/>
+                <a16:creationId xmlns:a16="http://schemas.microsoft.com/office/drawing/2014/main" id="{4DA30A5D-8485-44B8-AC28-52DA1C242913}"/>
               </a:ext>
             </a:extLst>
           </p:cNvPr>
@@ -18847,41 +19389,42 @@
             <p:ph idx="1"/>
           </p:nvPr>
         </p:nvSpPr>
-        <p:spPr>
-          <a:xfrm>
-            <a:off x="1141412" y="2249486"/>
-            <a:ext cx="9905999" cy="3759427"/>
-          </a:xfrm>
-        </p:spPr>
+        <p:spPr/>
         <p:txBody>
           <a:bodyPr>
-            <a:normAutofit lnSpcReduction="10000"/>
+            <a:normAutofit/>
           </a:bodyPr>
           <a:lstStyle/>
           <a:p>
             <a:r>
               <a:rPr lang="en-IN" dirty="0"/>
-              <a:t>High speed vehicles run on the road and a collision with them means the player is out.</a:t>
+              <a:t>The main objective of the game is to reach all the ‘X’ crosses in the city in minimum time tackling all the obstacles on the way. </a:t>
             </a:r>
           </a:p>
           <a:p>
             <a:r>
               <a:rPr lang="en-IN" dirty="0"/>
-              <a:t>Also blocks might fall from the buildings and a collision with them means the player is out.</a:t>
+              <a:t>On reaching each ‘X’ the player will be asked a question on decision making in some situation. Each option will have positive or negative marks which will be added to the score.</a:t>
             </a:r>
           </a:p>
           <a:p>
             <a:r>
               <a:rPr lang="en-IN" dirty="0"/>
-              <a:t>There are special zones with a balloon. On reaching the zone the player is lifted above the city with the balloon for 5 sec. While in the air the player can rotate the camera to location the location of “X”s which are marked with a big downward arrow in the air. </a:t>
-            </a:r>
+              <a:t>The faster you collect crosses and answer the questions correctly, the more you score.</a:t>
+            </a:r>
+          </a:p>
+          <a:p>
+            <a:pPr marL="0" indent="0">
+              <a:buNone/>
+            </a:pPr>
+            <a:endParaRPr lang="en-IN" dirty="0"/>
           </a:p>
         </p:txBody>
       </p:sp>
     </p:spTree>
     <p:extLst>
       <p:ext uri="{BB962C8B-B14F-4D97-AF65-F5344CB8AC3E}">
-        <p14:creationId xmlns:p14="http://schemas.microsoft.com/office/powerpoint/2010/main" val="1925393467"/>
+        <p14:creationId xmlns:p14="http://schemas.microsoft.com/office/powerpoint/2010/main" val="308860872"/>
       </p:ext>
     </p:extLst>
   </p:cSld>
